--- a/PPT/新建 PPTX 演示文稿.pptx
+++ b/PPT/新建 PPTX 演示文稿.pptx
@@ -11,38 +11,40 @@
     <p:sldId id="259" r:id="rId6"/>
     <p:sldId id="260" r:id="rId7"/>
     <p:sldId id="261" r:id="rId8"/>
-    <p:sldId id="262" r:id="rId9"/>
-    <p:sldId id="263" r:id="rId10"/>
-    <p:sldId id="264" r:id="rId11"/>
-    <p:sldId id="265" r:id="rId12"/>
-    <p:sldId id="266" r:id="rId13"/>
-    <p:sldId id="267" r:id="rId14"/>
-    <p:sldId id="268" r:id="rId15"/>
-    <p:sldId id="269" r:id="rId16"/>
-    <p:sldId id="270" r:id="rId17"/>
+    <p:sldId id="271" r:id="rId9"/>
+    <p:sldId id="272" r:id="rId10"/>
+    <p:sldId id="262" r:id="rId11"/>
+    <p:sldId id="263" r:id="rId12"/>
+    <p:sldId id="264" r:id="rId13"/>
+    <p:sldId id="265" r:id="rId14"/>
+    <p:sldId id="266" r:id="rId15"/>
+    <p:sldId id="267" r:id="rId16"/>
+    <p:sldId id="268" r:id="rId17"/>
+    <p:sldId id="269" r:id="rId18"/>
+    <p:sldId id="270" r:id="rId19"/>
   </p:sldIdLst>
   <p:sldSz cx="12192000" cy="6858000"/>
   <p:notesSz cx="6858000" cy="9144000"/>
   <p:embeddedFontLst>
     <p:embeddedFont>
       <p:font typeface="Aa小梨涡" panose="02010600010101010101" charset="-122"/>
-      <p:regular r:id="rId21"/>
+      <p:regular r:id="rId23"/>
     </p:embeddedFont>
     <p:embeddedFont>
       <p:font typeface="微软雅黑" panose="020B0503020204020204" charset="-122"/>
-      <p:regular r:id="rId22"/>
+      <p:regular r:id="rId24"/>
     </p:embeddedFont>
     <p:embeddedFont>
       <p:font typeface="Comic Sans MS" panose="030F0702030302020204" charset="0"/>
-      <p:regular r:id="rId23"/>
-      <p:bold r:id="rId24"/>
+      <p:regular r:id="rId25"/>
+      <p:bold r:id="rId26"/>
     </p:embeddedFont>
     <p:embeddedFont>
       <p:font typeface="Calibri" panose="020F0502020204030204" charset="0"/>
-      <p:regular r:id="rId25"/>
-      <p:bold r:id="rId26"/>
-      <p:italic r:id="rId27"/>
-      <p:boldItalic r:id="rId28"/>
+      <p:regular r:id="rId27"/>
+      <p:bold r:id="rId28"/>
+      <p:italic r:id="rId29"/>
+      <p:boldItalic r:id="rId30"/>
     </p:embeddedFont>
   </p:embeddedFontLst>
   <p:defaultTextStyle>
@@ -4625,6 +4627,658 @@
 </file>
 
 <file path=ppt/slides/slide15.xml><?xml version="1.0" encoding="utf-8"?>
+<p:sld xmlns:a="http://schemas.openxmlformats.org/drawingml/2006/main" xmlns:r="http://schemas.openxmlformats.org/officeDocument/2006/relationships" xmlns:p="http://schemas.openxmlformats.org/presentationml/2006/main">
+  <p:cSld>
+    <p:spTree>
+      <p:nvGrpSpPr>
+        <p:cNvPr id="1" name=""/>
+        <p:cNvGrpSpPr/>
+        <p:nvPr/>
+      </p:nvGrpSpPr>
+      <p:grpSpPr/>
+      <p:sp>
+        <p:nvSpPr>
+          <p:cNvPr id="18" name="任意多边形 17"/>
+          <p:cNvSpPr/>
+          <p:nvPr/>
+        </p:nvSpPr>
+        <p:spPr>
+          <a:xfrm rot="600000">
+            <a:off x="5342086" y="122979"/>
+            <a:ext cx="1728000" cy="944245"/>
+          </a:xfrm>
+          <a:custGeom>
+            <a:avLst/>
+            <a:gdLst>
+              <a:gd name="connisteX0" fmla="*/ 257810 w 3935730"/>
+              <a:gd name="connsiteY0" fmla="*/ 429260 h 944880"/>
+              <a:gd name="connisteX1" fmla="*/ 3394710 w 3935730"/>
+              <a:gd name="connsiteY1" fmla="*/ 0 h 944880"/>
+              <a:gd name="connisteX2" fmla="*/ 26035 w 3935730"/>
+              <a:gd name="connsiteY2" fmla="*/ 541020 h 944880"/>
+              <a:gd name="connisteX3" fmla="*/ 3575050 w 3935730"/>
+              <a:gd name="connsiteY3" fmla="*/ 51435 h 944880"/>
+              <a:gd name="connisteX4" fmla="*/ 172085 w 3935730"/>
+              <a:gd name="connsiteY4" fmla="*/ 601345 h 944880"/>
+              <a:gd name="connisteX5" fmla="*/ 3652520 w 3935730"/>
+              <a:gd name="connsiteY5" fmla="*/ 128905 h 944880"/>
+              <a:gd name="connisteX6" fmla="*/ 51435 w 3935730"/>
+              <a:gd name="connsiteY6" fmla="*/ 678815 h 944880"/>
+              <a:gd name="connisteX7" fmla="*/ 3514725 w 3935730"/>
+              <a:gd name="connsiteY7" fmla="*/ 214630 h 944880"/>
+              <a:gd name="connisteX8" fmla="*/ 369570 w 3935730"/>
+              <a:gd name="connsiteY8" fmla="*/ 704215 h 944880"/>
+              <a:gd name="connisteX9" fmla="*/ 3695700 w 3935730"/>
+              <a:gd name="connsiteY9" fmla="*/ 274955 h 944880"/>
+              <a:gd name="connisteX10" fmla="*/ 180340 w 3935730"/>
+              <a:gd name="connsiteY10" fmla="*/ 833120 h 944880"/>
+              <a:gd name="connisteX11" fmla="*/ 3695700 w 3935730"/>
+              <a:gd name="connsiteY11" fmla="*/ 351790 h 944880"/>
+              <a:gd name="connisteX12" fmla="*/ 0 w 3935730"/>
+              <a:gd name="connsiteY12" fmla="*/ 944880 h 944880"/>
+              <a:gd name="connisteX13" fmla="*/ 3935730 w 3935730"/>
+              <a:gd name="connsiteY13" fmla="*/ 360680 h 944880"/>
+            </a:gdLst>
+            <a:ahLst/>
+            <a:cxnLst>
+              <a:cxn ang="0">
+                <a:pos x="connisteX0" y="connsiteY0"/>
+              </a:cxn>
+              <a:cxn ang="0">
+                <a:pos x="connisteX1" y="connsiteY1"/>
+              </a:cxn>
+              <a:cxn ang="0">
+                <a:pos x="connisteX2" y="connsiteY2"/>
+              </a:cxn>
+              <a:cxn ang="0">
+                <a:pos x="connisteX3" y="connsiteY3"/>
+              </a:cxn>
+              <a:cxn ang="0">
+                <a:pos x="connisteX4" y="connsiteY4"/>
+              </a:cxn>
+              <a:cxn ang="0">
+                <a:pos x="connisteX5" y="connsiteY5"/>
+              </a:cxn>
+              <a:cxn ang="0">
+                <a:pos x="connisteX6" y="connsiteY6"/>
+              </a:cxn>
+              <a:cxn ang="0">
+                <a:pos x="connisteX7" y="connsiteY7"/>
+              </a:cxn>
+              <a:cxn ang="0">
+                <a:pos x="connisteX8" y="connsiteY8"/>
+              </a:cxn>
+              <a:cxn ang="0">
+                <a:pos x="connisteX9" y="connsiteY9"/>
+              </a:cxn>
+              <a:cxn ang="0">
+                <a:pos x="connisteX10" y="connsiteY10"/>
+              </a:cxn>
+              <a:cxn ang="0">
+                <a:pos x="connisteX11" y="connsiteY11"/>
+              </a:cxn>
+              <a:cxn ang="0">
+                <a:pos x="connisteX12" y="connsiteY12"/>
+              </a:cxn>
+              <a:cxn ang="0">
+                <a:pos x="connisteX13" y="connsiteY13"/>
+              </a:cxn>
+            </a:cxnLst>
+            <a:rect l="l" t="t" r="r" b="b"/>
+            <a:pathLst>
+              <a:path w="3935730" h="944880">
+                <a:moveTo>
+                  <a:pt x="257810" y="429260"/>
+                </a:moveTo>
+                <a:lnTo>
+                  <a:pt x="3394710" y="0"/>
+                </a:lnTo>
+                <a:lnTo>
+                  <a:pt x="26035" y="541020"/>
+                </a:lnTo>
+                <a:lnTo>
+                  <a:pt x="3575050" y="51435"/>
+                </a:lnTo>
+                <a:lnTo>
+                  <a:pt x="172085" y="601345"/>
+                </a:lnTo>
+                <a:lnTo>
+                  <a:pt x="3652520" y="128905"/>
+                </a:lnTo>
+                <a:lnTo>
+                  <a:pt x="51435" y="678815"/>
+                </a:lnTo>
+                <a:lnTo>
+                  <a:pt x="3514725" y="214630"/>
+                </a:lnTo>
+                <a:lnTo>
+                  <a:pt x="369570" y="704215"/>
+                </a:lnTo>
+                <a:lnTo>
+                  <a:pt x="3695700" y="274955"/>
+                </a:lnTo>
+                <a:lnTo>
+                  <a:pt x="180340" y="833120"/>
+                </a:lnTo>
+                <a:lnTo>
+                  <a:pt x="3695700" y="351790"/>
+                </a:lnTo>
+                <a:lnTo>
+                  <a:pt x="0" y="944880"/>
+                </a:lnTo>
+                <a:lnTo>
+                  <a:pt x="3935730" y="360680"/>
+                </a:lnTo>
+              </a:path>
+            </a:pathLst>
+          </a:custGeom>
+          <a:noFill/>
+          <a:ln w="203200">
+            <a:solidFill>
+              <a:schemeClr val="accent4">
+                <a:lumMod val="40000"/>
+                <a:lumOff val="60000"/>
+              </a:schemeClr>
+            </a:solidFill>
+          </a:ln>
+          <a:effectLst>
+            <a:softEdge rad="63500"/>
+          </a:effectLst>
+        </p:spPr>
+        <p:style>
+          <a:lnRef idx="2">
+            <a:schemeClr val="accent1">
+              <a:shade val="50000"/>
+            </a:schemeClr>
+          </a:lnRef>
+          <a:fillRef idx="1">
+            <a:schemeClr val="accent1"/>
+          </a:fillRef>
+          <a:effectRef idx="0">
+            <a:schemeClr val="accent1"/>
+          </a:effectRef>
+          <a:fontRef idx="minor">
+            <a:schemeClr val="lt1"/>
+          </a:fontRef>
+        </p:style>
+        <p:txBody>
+          <a:bodyPr rtlCol="0" anchor="ctr"/>
+          <a:p>
+            <a:pPr algn="ctr"/>
+            <a:endParaRPr lang="zh-CN" altLang="en-US"/>
+          </a:p>
+        </p:txBody>
+      </p:sp>
+      <p:sp>
+        <p:nvSpPr>
+          <p:cNvPr id="2" name="标题 1"/>
+          <p:cNvSpPr>
+            <a:spLocks noGrp="1"/>
+          </p:cNvSpPr>
+          <p:nvPr>
+            <p:ph type="title"/>
+          </p:nvPr>
+        </p:nvSpPr>
+        <p:spPr>
+          <a:xfrm>
+            <a:off x="5132070" y="245745"/>
+            <a:ext cx="2136775" cy="817245"/>
+          </a:xfrm>
+        </p:spPr>
+        <p:txBody>
+          <a:bodyPr>
+            <a:normAutofit fontScale="90000"/>
+          </a:bodyPr>
+          <a:p>
+            <a:r>
+              <a:rPr lang="en-US" altLang="zh-CN">
+                <a:latin typeface="Aa小梨涡" panose="02010600010101010101" charset="-122"/>
+                <a:ea typeface="Aa小梨涡" panose="02010600010101010101" charset="-122"/>
+              </a:rPr>
+              <a:t>1.</a:t>
+            </a:r>
+            <a:r>
+              <a:rPr lang="zh-CN" altLang="en-US">
+                <a:latin typeface="Aa小梨涡" panose="02010600010101010101" charset="-122"/>
+                <a:ea typeface="Aa小梨涡" panose="02010600010101010101" charset="-122"/>
+              </a:rPr>
+              <a:t>开篇词</a:t>
+            </a:r>
+            <a:endParaRPr lang="zh-CN" altLang="en-US">
+              <a:latin typeface="Aa小梨涡" panose="02010600010101010101" charset="-122"/>
+              <a:ea typeface="Aa小梨涡" panose="02010600010101010101" charset="-122"/>
+            </a:endParaRPr>
+          </a:p>
+        </p:txBody>
+      </p:sp>
+      <p:sp>
+        <p:nvSpPr>
+          <p:cNvPr id="20" name="任意多边形 19"/>
+          <p:cNvSpPr/>
+          <p:nvPr/>
+        </p:nvSpPr>
+        <p:spPr>
+          <a:xfrm rot="10320000">
+            <a:off x="4344035" y="897890"/>
+            <a:ext cx="3456305" cy="76200"/>
+          </a:xfrm>
+          <a:custGeom>
+            <a:avLst/>
+            <a:gdLst>
+              <a:gd name="connisteX0" fmla="*/ 4685923 w 4685923"/>
+              <a:gd name="connsiteY0" fmla="*/ 9525 h 464575"/>
+              <a:gd name="connisteX1" fmla="*/ 548898 w 4685923"/>
+              <a:gd name="connsiteY1" fmla="*/ 238125 h 464575"/>
+              <a:gd name="connisteX2" fmla="*/ 672723 w 4685923"/>
+              <a:gd name="connsiteY2" fmla="*/ 456565 h 464575"/>
+              <a:gd name="connisteX3" fmla="*/ 4638298 w 4685923"/>
+              <a:gd name="connsiteY3" fmla="*/ 0 h 464575"/>
+            </a:gdLst>
+            <a:ahLst/>
+            <a:cxnLst>
+              <a:cxn ang="0">
+                <a:pos x="connisteX0" y="connsiteY0"/>
+              </a:cxn>
+              <a:cxn ang="0">
+                <a:pos x="connisteX1" y="connsiteY1"/>
+              </a:cxn>
+              <a:cxn ang="0">
+                <a:pos x="connisteX2" y="connsiteY2"/>
+              </a:cxn>
+              <a:cxn ang="0">
+                <a:pos x="connisteX3" y="connsiteY3"/>
+              </a:cxn>
+            </a:cxnLst>
+            <a:rect l="l" t="t" r="r" b="b"/>
+            <a:pathLst>
+              <a:path w="4685923" h="464576">
+                <a:moveTo>
+                  <a:pt x="4685923" y="9525"/>
+                </a:moveTo>
+                <a:cubicBezTo>
+                  <a:pt x="3855978" y="50800"/>
+                  <a:pt x="1351538" y="148590"/>
+                  <a:pt x="548898" y="238125"/>
+                </a:cubicBezTo>
+                <a:cubicBezTo>
+                  <a:pt x="-253742" y="327660"/>
+                  <a:pt x="-145157" y="504190"/>
+                  <a:pt x="672723" y="456565"/>
+                </a:cubicBezTo>
+                <a:cubicBezTo>
+                  <a:pt x="1490603" y="408940"/>
+                  <a:pt x="3847723" y="95885"/>
+                  <a:pt x="4638298" y="0"/>
+                </a:cubicBezTo>
+              </a:path>
+            </a:pathLst>
+          </a:custGeom>
+          <a:solidFill>
+            <a:schemeClr val="accent5"/>
+          </a:solidFill>
+          <a:ln>
+            <a:noFill/>
+          </a:ln>
+        </p:spPr>
+        <p:style>
+          <a:lnRef idx="2">
+            <a:schemeClr val="accent1">
+              <a:shade val="50000"/>
+            </a:schemeClr>
+          </a:lnRef>
+          <a:fillRef idx="1">
+            <a:schemeClr val="accent1"/>
+          </a:fillRef>
+          <a:effectRef idx="0">
+            <a:schemeClr val="accent1"/>
+          </a:effectRef>
+          <a:fontRef idx="minor">
+            <a:schemeClr val="lt1"/>
+          </a:fontRef>
+        </p:style>
+        <p:txBody>
+          <a:bodyPr rtlCol="0" anchor="ctr"/>
+          <a:p>
+            <a:pPr algn="ctr"/>
+            <a:endParaRPr lang="zh-CN" altLang="en-US"/>
+          </a:p>
+        </p:txBody>
+      </p:sp>
+    </p:spTree>
+  </p:cSld>
+  <p:clrMapOvr>
+    <a:masterClrMapping/>
+  </p:clrMapOvr>
+</p:sld>
+</file>
+
+<file path=ppt/slides/slide16.xml><?xml version="1.0" encoding="utf-8"?>
+<p:sld xmlns:a="http://schemas.openxmlformats.org/drawingml/2006/main" xmlns:r="http://schemas.openxmlformats.org/officeDocument/2006/relationships" xmlns:p="http://schemas.openxmlformats.org/presentationml/2006/main">
+  <p:cSld>
+    <p:spTree>
+      <p:nvGrpSpPr>
+        <p:cNvPr id="1" name=""/>
+        <p:cNvGrpSpPr/>
+        <p:nvPr/>
+      </p:nvGrpSpPr>
+      <p:grpSpPr/>
+      <p:sp>
+        <p:nvSpPr>
+          <p:cNvPr id="18" name="任意多边形 17"/>
+          <p:cNvSpPr/>
+          <p:nvPr/>
+        </p:nvSpPr>
+        <p:spPr>
+          <a:xfrm rot="600000">
+            <a:off x="5342086" y="122979"/>
+            <a:ext cx="1728000" cy="944245"/>
+          </a:xfrm>
+          <a:custGeom>
+            <a:avLst/>
+            <a:gdLst>
+              <a:gd name="connisteX0" fmla="*/ 257810 w 3935730"/>
+              <a:gd name="connsiteY0" fmla="*/ 429260 h 944880"/>
+              <a:gd name="connisteX1" fmla="*/ 3394710 w 3935730"/>
+              <a:gd name="connsiteY1" fmla="*/ 0 h 944880"/>
+              <a:gd name="connisteX2" fmla="*/ 26035 w 3935730"/>
+              <a:gd name="connsiteY2" fmla="*/ 541020 h 944880"/>
+              <a:gd name="connisteX3" fmla="*/ 3575050 w 3935730"/>
+              <a:gd name="connsiteY3" fmla="*/ 51435 h 944880"/>
+              <a:gd name="connisteX4" fmla="*/ 172085 w 3935730"/>
+              <a:gd name="connsiteY4" fmla="*/ 601345 h 944880"/>
+              <a:gd name="connisteX5" fmla="*/ 3652520 w 3935730"/>
+              <a:gd name="connsiteY5" fmla="*/ 128905 h 944880"/>
+              <a:gd name="connisteX6" fmla="*/ 51435 w 3935730"/>
+              <a:gd name="connsiteY6" fmla="*/ 678815 h 944880"/>
+              <a:gd name="connisteX7" fmla="*/ 3514725 w 3935730"/>
+              <a:gd name="connsiteY7" fmla="*/ 214630 h 944880"/>
+              <a:gd name="connisteX8" fmla="*/ 369570 w 3935730"/>
+              <a:gd name="connsiteY8" fmla="*/ 704215 h 944880"/>
+              <a:gd name="connisteX9" fmla="*/ 3695700 w 3935730"/>
+              <a:gd name="connsiteY9" fmla="*/ 274955 h 944880"/>
+              <a:gd name="connisteX10" fmla="*/ 180340 w 3935730"/>
+              <a:gd name="connsiteY10" fmla="*/ 833120 h 944880"/>
+              <a:gd name="connisteX11" fmla="*/ 3695700 w 3935730"/>
+              <a:gd name="connsiteY11" fmla="*/ 351790 h 944880"/>
+              <a:gd name="connisteX12" fmla="*/ 0 w 3935730"/>
+              <a:gd name="connsiteY12" fmla="*/ 944880 h 944880"/>
+              <a:gd name="connisteX13" fmla="*/ 3935730 w 3935730"/>
+              <a:gd name="connsiteY13" fmla="*/ 360680 h 944880"/>
+            </a:gdLst>
+            <a:ahLst/>
+            <a:cxnLst>
+              <a:cxn ang="0">
+                <a:pos x="connisteX0" y="connsiteY0"/>
+              </a:cxn>
+              <a:cxn ang="0">
+                <a:pos x="connisteX1" y="connsiteY1"/>
+              </a:cxn>
+              <a:cxn ang="0">
+                <a:pos x="connisteX2" y="connsiteY2"/>
+              </a:cxn>
+              <a:cxn ang="0">
+                <a:pos x="connisteX3" y="connsiteY3"/>
+              </a:cxn>
+              <a:cxn ang="0">
+                <a:pos x="connisteX4" y="connsiteY4"/>
+              </a:cxn>
+              <a:cxn ang="0">
+                <a:pos x="connisteX5" y="connsiteY5"/>
+              </a:cxn>
+              <a:cxn ang="0">
+                <a:pos x="connisteX6" y="connsiteY6"/>
+              </a:cxn>
+              <a:cxn ang="0">
+                <a:pos x="connisteX7" y="connsiteY7"/>
+              </a:cxn>
+              <a:cxn ang="0">
+                <a:pos x="connisteX8" y="connsiteY8"/>
+              </a:cxn>
+              <a:cxn ang="0">
+                <a:pos x="connisteX9" y="connsiteY9"/>
+              </a:cxn>
+              <a:cxn ang="0">
+                <a:pos x="connisteX10" y="connsiteY10"/>
+              </a:cxn>
+              <a:cxn ang="0">
+                <a:pos x="connisteX11" y="connsiteY11"/>
+              </a:cxn>
+              <a:cxn ang="0">
+                <a:pos x="connisteX12" y="connsiteY12"/>
+              </a:cxn>
+              <a:cxn ang="0">
+                <a:pos x="connisteX13" y="connsiteY13"/>
+              </a:cxn>
+            </a:cxnLst>
+            <a:rect l="l" t="t" r="r" b="b"/>
+            <a:pathLst>
+              <a:path w="3935730" h="944880">
+                <a:moveTo>
+                  <a:pt x="257810" y="429260"/>
+                </a:moveTo>
+                <a:lnTo>
+                  <a:pt x="3394710" y="0"/>
+                </a:lnTo>
+                <a:lnTo>
+                  <a:pt x="26035" y="541020"/>
+                </a:lnTo>
+                <a:lnTo>
+                  <a:pt x="3575050" y="51435"/>
+                </a:lnTo>
+                <a:lnTo>
+                  <a:pt x="172085" y="601345"/>
+                </a:lnTo>
+                <a:lnTo>
+                  <a:pt x="3652520" y="128905"/>
+                </a:lnTo>
+                <a:lnTo>
+                  <a:pt x="51435" y="678815"/>
+                </a:lnTo>
+                <a:lnTo>
+                  <a:pt x="3514725" y="214630"/>
+                </a:lnTo>
+                <a:lnTo>
+                  <a:pt x="369570" y="704215"/>
+                </a:lnTo>
+                <a:lnTo>
+                  <a:pt x="3695700" y="274955"/>
+                </a:lnTo>
+                <a:lnTo>
+                  <a:pt x="180340" y="833120"/>
+                </a:lnTo>
+                <a:lnTo>
+                  <a:pt x="3695700" y="351790"/>
+                </a:lnTo>
+                <a:lnTo>
+                  <a:pt x="0" y="944880"/>
+                </a:lnTo>
+                <a:lnTo>
+                  <a:pt x="3935730" y="360680"/>
+                </a:lnTo>
+              </a:path>
+            </a:pathLst>
+          </a:custGeom>
+          <a:noFill/>
+          <a:ln w="203200">
+            <a:solidFill>
+              <a:schemeClr val="accent4">
+                <a:lumMod val="40000"/>
+                <a:lumOff val="60000"/>
+              </a:schemeClr>
+            </a:solidFill>
+          </a:ln>
+          <a:effectLst>
+            <a:softEdge rad="63500"/>
+          </a:effectLst>
+        </p:spPr>
+        <p:style>
+          <a:lnRef idx="2">
+            <a:schemeClr val="accent1">
+              <a:shade val="50000"/>
+            </a:schemeClr>
+          </a:lnRef>
+          <a:fillRef idx="1">
+            <a:schemeClr val="accent1"/>
+          </a:fillRef>
+          <a:effectRef idx="0">
+            <a:schemeClr val="accent1"/>
+          </a:effectRef>
+          <a:fontRef idx="minor">
+            <a:schemeClr val="lt1"/>
+          </a:fontRef>
+        </p:style>
+        <p:txBody>
+          <a:bodyPr rtlCol="0" anchor="ctr"/>
+          <a:p>
+            <a:pPr algn="ctr"/>
+            <a:endParaRPr lang="zh-CN" altLang="en-US"/>
+          </a:p>
+        </p:txBody>
+      </p:sp>
+      <p:sp>
+        <p:nvSpPr>
+          <p:cNvPr id="2" name="标题 1"/>
+          <p:cNvSpPr>
+            <a:spLocks noGrp="1"/>
+          </p:cNvSpPr>
+          <p:nvPr>
+            <p:ph type="title"/>
+          </p:nvPr>
+        </p:nvSpPr>
+        <p:spPr>
+          <a:xfrm>
+            <a:off x="5132070" y="245745"/>
+            <a:ext cx="2136775" cy="817245"/>
+          </a:xfrm>
+        </p:spPr>
+        <p:txBody>
+          <a:bodyPr>
+            <a:normAutofit fontScale="90000"/>
+          </a:bodyPr>
+          <a:p>
+            <a:r>
+              <a:rPr lang="en-US" altLang="zh-CN">
+                <a:latin typeface="Aa小梨涡" panose="02010600010101010101" charset="-122"/>
+                <a:ea typeface="Aa小梨涡" panose="02010600010101010101" charset="-122"/>
+              </a:rPr>
+              <a:t>1.</a:t>
+            </a:r>
+            <a:r>
+              <a:rPr lang="zh-CN" altLang="en-US">
+                <a:latin typeface="Aa小梨涡" panose="02010600010101010101" charset="-122"/>
+                <a:ea typeface="Aa小梨涡" panose="02010600010101010101" charset="-122"/>
+              </a:rPr>
+              <a:t>开篇词</a:t>
+            </a:r>
+            <a:endParaRPr lang="zh-CN" altLang="en-US">
+              <a:latin typeface="Aa小梨涡" panose="02010600010101010101" charset="-122"/>
+              <a:ea typeface="Aa小梨涡" panose="02010600010101010101" charset="-122"/>
+            </a:endParaRPr>
+          </a:p>
+        </p:txBody>
+      </p:sp>
+      <p:sp>
+        <p:nvSpPr>
+          <p:cNvPr id="20" name="任意多边形 19"/>
+          <p:cNvSpPr/>
+          <p:nvPr/>
+        </p:nvSpPr>
+        <p:spPr>
+          <a:xfrm rot="10320000">
+            <a:off x="4344035" y="897890"/>
+            <a:ext cx="3456305" cy="76200"/>
+          </a:xfrm>
+          <a:custGeom>
+            <a:avLst/>
+            <a:gdLst>
+              <a:gd name="connisteX0" fmla="*/ 4685923 w 4685923"/>
+              <a:gd name="connsiteY0" fmla="*/ 9525 h 464575"/>
+              <a:gd name="connisteX1" fmla="*/ 548898 w 4685923"/>
+              <a:gd name="connsiteY1" fmla="*/ 238125 h 464575"/>
+              <a:gd name="connisteX2" fmla="*/ 672723 w 4685923"/>
+              <a:gd name="connsiteY2" fmla="*/ 456565 h 464575"/>
+              <a:gd name="connisteX3" fmla="*/ 4638298 w 4685923"/>
+              <a:gd name="connsiteY3" fmla="*/ 0 h 464575"/>
+            </a:gdLst>
+            <a:ahLst/>
+            <a:cxnLst>
+              <a:cxn ang="0">
+                <a:pos x="connisteX0" y="connsiteY0"/>
+              </a:cxn>
+              <a:cxn ang="0">
+                <a:pos x="connisteX1" y="connsiteY1"/>
+              </a:cxn>
+              <a:cxn ang="0">
+                <a:pos x="connisteX2" y="connsiteY2"/>
+              </a:cxn>
+              <a:cxn ang="0">
+                <a:pos x="connisteX3" y="connsiteY3"/>
+              </a:cxn>
+            </a:cxnLst>
+            <a:rect l="l" t="t" r="r" b="b"/>
+            <a:pathLst>
+              <a:path w="4685923" h="464576">
+                <a:moveTo>
+                  <a:pt x="4685923" y="9525"/>
+                </a:moveTo>
+                <a:cubicBezTo>
+                  <a:pt x="3855978" y="50800"/>
+                  <a:pt x="1351538" y="148590"/>
+                  <a:pt x="548898" y="238125"/>
+                </a:cubicBezTo>
+                <a:cubicBezTo>
+                  <a:pt x="-253742" y="327660"/>
+                  <a:pt x="-145157" y="504190"/>
+                  <a:pt x="672723" y="456565"/>
+                </a:cubicBezTo>
+                <a:cubicBezTo>
+                  <a:pt x="1490603" y="408940"/>
+                  <a:pt x="3847723" y="95885"/>
+                  <a:pt x="4638298" y="0"/>
+                </a:cubicBezTo>
+              </a:path>
+            </a:pathLst>
+          </a:custGeom>
+          <a:solidFill>
+            <a:schemeClr val="accent5"/>
+          </a:solidFill>
+          <a:ln>
+            <a:noFill/>
+          </a:ln>
+        </p:spPr>
+        <p:style>
+          <a:lnRef idx="2">
+            <a:schemeClr val="accent1">
+              <a:shade val="50000"/>
+            </a:schemeClr>
+          </a:lnRef>
+          <a:fillRef idx="1">
+            <a:schemeClr val="accent1"/>
+          </a:fillRef>
+          <a:effectRef idx="0">
+            <a:schemeClr val="accent1"/>
+          </a:effectRef>
+          <a:fontRef idx="minor">
+            <a:schemeClr val="lt1"/>
+          </a:fontRef>
+        </p:style>
+        <p:txBody>
+          <a:bodyPr rtlCol="0" anchor="ctr"/>
+          <a:p>
+            <a:pPr algn="ctr"/>
+            <a:endParaRPr lang="zh-CN" altLang="en-US"/>
+          </a:p>
+        </p:txBody>
+      </p:sp>
+    </p:spTree>
+  </p:cSld>
+  <p:clrMapOvr>
+    <a:masterClrMapping/>
+  </p:clrMapOvr>
+</p:sld>
+</file>
+
+<file path=ppt/slides/slide17.xml><?xml version="1.0" encoding="utf-8"?>
 <p:sld xmlns:a="http://schemas.openxmlformats.org/drawingml/2006/main" xmlns:r="http://schemas.openxmlformats.org/officeDocument/2006/relationships" xmlns:p="http://schemas.openxmlformats.org/presentationml/2006/main">
   <p:cSld>
     <p:spTree>
@@ -12486,8 +13140,8 @@
         </p:nvSpPr>
         <p:spPr>
           <a:xfrm>
-            <a:off x="5132070" y="245745"/>
-            <a:ext cx="2136775" cy="817245"/>
+            <a:off x="4523740" y="245745"/>
+            <a:ext cx="3265805" cy="817245"/>
           </a:xfrm>
         </p:spPr>
         <p:txBody>
@@ -12500,14 +13154,14 @@
                 <a:latin typeface="Aa小梨涡" panose="02010600010101010101" charset="-122"/>
                 <a:ea typeface="Aa小梨涡" panose="02010600010101010101" charset="-122"/>
               </a:rPr>
-              <a:t>1.</a:t>
+              <a:t>2.3 </a:t>
             </a:r>
             <a:r>
               <a:rPr lang="zh-CN" altLang="en-US">
                 <a:latin typeface="Aa小梨涡" panose="02010600010101010101" charset="-122"/>
                 <a:ea typeface="Aa小梨涡" panose="02010600010101010101" charset="-122"/>
               </a:rPr>
-              <a:t>开篇词</a:t>
+              <a:t>序列切片</a:t>
             </a:r>
             <a:endParaRPr lang="zh-CN" altLang="en-US">
               <a:latin typeface="Aa小梨涡" panose="02010600010101010101" charset="-122"/>
@@ -12609,11 +13263,626 @@
           </a:p>
         </p:txBody>
       </p:sp>
+      <p:sp>
+        <p:nvSpPr>
+          <p:cNvPr id="5" name="文本框 4"/>
+          <p:cNvSpPr txBox="1"/>
+          <p:nvPr/>
+        </p:nvSpPr>
+        <p:spPr>
+          <a:xfrm>
+            <a:off x="515620" y="1362075"/>
+            <a:ext cx="11281410" cy="429895"/>
+          </a:xfrm>
+          <a:prstGeom prst="rect">
+            <a:avLst/>
+          </a:prstGeom>
+          <a:noFill/>
+          <a:ln>
+            <a:noFill/>
+          </a:ln>
+        </p:spPr>
+        <p:txBody>
+          <a:bodyPr wrap="square" rtlCol="0">
+            <a:spAutoFit/>
+          </a:bodyPr>
+          <a:p>
+            <a:r>
+              <a:rPr lang="en-US" sz="2200">
+                <a:latin typeface="Aa小梨涡" panose="02010600010101010101" charset="-122"/>
+                <a:ea typeface="Aa小梨涡" panose="02010600010101010101" charset="-122"/>
+                <a:cs typeface="Aa小梨涡" panose="02010600010101010101" charset="-122"/>
+                <a:sym typeface="+mn-ea"/>
+              </a:rPr>
+              <a:t>1. </a:t>
+            </a:r>
+            <a:r>
+              <a:rPr lang="zh-CN" altLang="en-US" sz="2200">
+                <a:latin typeface="Aa小梨涡" panose="02010600010101010101" charset="-122"/>
+                <a:ea typeface="Aa小梨涡" panose="02010600010101010101" charset="-122"/>
+                <a:cs typeface="Aa小梨涡" panose="02010600010101010101" charset="-122"/>
+                <a:sym typeface="+mn-ea"/>
+              </a:rPr>
+              <a:t>索引</a:t>
+            </a:r>
+            <a:endParaRPr lang="zh-CN" altLang="en-US" sz="2200">
+              <a:latin typeface="Aa小梨涡" panose="02010600010101010101" charset="-122"/>
+              <a:ea typeface="Aa小梨涡" panose="02010600010101010101" charset="-122"/>
+              <a:cs typeface="Aa小梨涡" panose="02010600010101010101" charset="-122"/>
+              <a:sym typeface="+mn-ea"/>
+            </a:endParaRPr>
+          </a:p>
+        </p:txBody>
+      </p:sp>
+      <p:sp>
+        <p:nvSpPr>
+          <p:cNvPr id="3" name="文本框 2"/>
+          <p:cNvSpPr txBox="1"/>
+          <p:nvPr/>
+        </p:nvSpPr>
+        <p:spPr>
+          <a:xfrm>
+            <a:off x="516255" y="1843405"/>
+            <a:ext cx="11281410" cy="768350"/>
+          </a:xfrm>
+          <a:prstGeom prst="rect">
+            <a:avLst/>
+          </a:prstGeom>
+          <a:noFill/>
+          <a:ln>
+            <a:noFill/>
+          </a:ln>
+        </p:spPr>
+        <p:txBody>
+          <a:bodyPr wrap="square" rtlCol="0">
+            <a:spAutoFit/>
+          </a:bodyPr>
+          <a:p>
+            <a:r>
+              <a:rPr lang="en-US" sz="2200">
+                <a:latin typeface="Aa小梨涡" panose="02010600010101010101" charset="-122"/>
+                <a:ea typeface="Aa小梨涡" panose="02010600010101010101" charset="-122"/>
+                <a:cs typeface="Aa小梨涡" panose="02010600010101010101" charset="-122"/>
+                <a:sym typeface="+mn-ea"/>
+              </a:rPr>
+              <a:t>        </a:t>
+            </a:r>
+            <a:r>
+              <a:rPr sz="2200">
+                <a:latin typeface="Aa小梨涡" panose="02010600010101010101" charset="-122"/>
+                <a:ea typeface="Aa小梨涡" panose="02010600010101010101" charset="-122"/>
+                <a:cs typeface="Aa小梨涡" panose="02010600010101010101" charset="-122"/>
+                <a:sym typeface="+mn-ea"/>
+              </a:rPr>
+              <a:t>和其他语言不同，Python 中的列表和元组都支持负数索引，-1 表示最后一个元素，-2 表示倒数第二个元素，以此类推。</a:t>
+            </a:r>
+            <a:endParaRPr sz="2200">
+              <a:latin typeface="Aa小梨涡" panose="02010600010101010101" charset="-122"/>
+              <a:ea typeface="Aa小梨涡" panose="02010600010101010101" charset="-122"/>
+              <a:cs typeface="Aa小梨涡" panose="02010600010101010101" charset="-122"/>
+              <a:sym typeface="+mn-ea"/>
+            </a:endParaRPr>
+          </a:p>
+        </p:txBody>
+      </p:sp>
+      <p:sp>
+        <p:nvSpPr>
+          <p:cNvPr id="8" name="文本框 7"/>
+          <p:cNvSpPr txBox="1"/>
+          <p:nvPr/>
+        </p:nvSpPr>
+        <p:spPr>
+          <a:xfrm>
+            <a:off x="516255" y="2716530"/>
+            <a:ext cx="10668000" cy="1014730"/>
+          </a:xfrm>
+          <a:prstGeom prst="rect">
+            <a:avLst/>
+          </a:prstGeom>
+          <a:noFill/>
+          <a:ln>
+            <a:solidFill>
+              <a:schemeClr val="accent1"/>
+            </a:solidFill>
+          </a:ln>
+        </p:spPr>
+        <p:txBody>
+          <a:bodyPr wrap="square" rtlCol="0">
+            <a:spAutoFit/>
+          </a:bodyPr>
+          <a:p>
+            <a:pPr algn="l" fontAlgn="auto">
+              <a:lnSpc>
+                <a:spcPct val="150000"/>
+              </a:lnSpc>
+            </a:pPr>
+            <a:r>
+              <a:rPr sz="2000">
+                <a:latin typeface="Comic Sans MS" panose="030F0702030302020204" charset="0"/>
+                <a:cs typeface="Comic Sans MS" panose="030F0702030302020204" charset="0"/>
+                <a:sym typeface="+mn-ea"/>
+              </a:rPr>
+              <a:t>a = [1, 2, 3, 4]</a:t>
+            </a:r>
+            <a:endParaRPr sz="2000">
+              <a:latin typeface="Comic Sans MS" panose="030F0702030302020204" charset="0"/>
+              <a:cs typeface="Comic Sans MS" panose="030F0702030302020204" charset="0"/>
+              <a:sym typeface="+mn-ea"/>
+            </a:endParaRPr>
+          </a:p>
+          <a:p>
+            <a:pPr algn="l" fontAlgn="auto">
+              <a:lnSpc>
+                <a:spcPct val="150000"/>
+              </a:lnSpc>
+            </a:pPr>
+            <a:r>
+              <a:rPr sz="2000">
+                <a:latin typeface="Comic Sans MS" panose="030F0702030302020204" charset="0"/>
+                <a:cs typeface="Comic Sans MS" panose="030F0702030302020204" charset="0"/>
+                <a:sym typeface="+mn-ea"/>
+              </a:rPr>
+              <a:t>print('The last one: ', a[-1])  </a:t>
+            </a:r>
+            <a:r>
+              <a:rPr lang="en-US" sz="2000">
+                <a:latin typeface="Comic Sans MS" panose="030F0702030302020204" charset="0"/>
+                <a:cs typeface="Comic Sans MS" panose="030F0702030302020204" charset="0"/>
+                <a:sym typeface="+mn-ea"/>
+              </a:rPr>
+              <a:t># 4</a:t>
+            </a:r>
+            <a:endParaRPr lang="en-US" sz="2000">
+              <a:latin typeface="Comic Sans MS" panose="030F0702030302020204" charset="0"/>
+              <a:cs typeface="Comic Sans MS" panose="030F0702030302020204" charset="0"/>
+              <a:sym typeface="+mn-ea"/>
+            </a:endParaRPr>
+          </a:p>
+        </p:txBody>
+      </p:sp>
+      <p:sp>
+        <p:nvSpPr>
+          <p:cNvPr id="4" name="文本框 3"/>
+          <p:cNvSpPr txBox="1"/>
+          <p:nvPr/>
+        </p:nvSpPr>
+        <p:spPr>
+          <a:xfrm>
+            <a:off x="516255" y="3925570"/>
+            <a:ext cx="11281410" cy="429895"/>
+          </a:xfrm>
+          <a:prstGeom prst="rect">
+            <a:avLst/>
+          </a:prstGeom>
+          <a:noFill/>
+          <a:ln>
+            <a:noFill/>
+          </a:ln>
+        </p:spPr>
+        <p:txBody>
+          <a:bodyPr wrap="square" rtlCol="0">
+            <a:spAutoFit/>
+          </a:bodyPr>
+          <a:p>
+            <a:r>
+              <a:rPr lang="en-US" sz="2200">
+                <a:latin typeface="Aa小梨涡" panose="02010600010101010101" charset="-122"/>
+                <a:ea typeface="Aa小梨涡" panose="02010600010101010101" charset="-122"/>
+                <a:cs typeface="Aa小梨涡" panose="02010600010101010101" charset="-122"/>
+                <a:sym typeface="+mn-ea"/>
+              </a:rPr>
+              <a:t>2. </a:t>
+            </a:r>
+            <a:r>
+              <a:rPr lang="zh-CN" altLang="en-US" sz="2200">
+                <a:latin typeface="Aa小梨涡" panose="02010600010101010101" charset="-122"/>
+                <a:ea typeface="Aa小梨涡" panose="02010600010101010101" charset="-122"/>
+                <a:cs typeface="Aa小梨涡" panose="02010600010101010101" charset="-122"/>
+                <a:sym typeface="+mn-ea"/>
+              </a:rPr>
+              <a:t>切片的基础用法</a:t>
+            </a:r>
+            <a:endParaRPr lang="zh-CN" altLang="en-US" sz="2200">
+              <a:latin typeface="Aa小梨涡" panose="02010600010101010101" charset="-122"/>
+              <a:ea typeface="Aa小梨涡" panose="02010600010101010101" charset="-122"/>
+              <a:cs typeface="Aa小梨涡" panose="02010600010101010101" charset="-122"/>
+              <a:sym typeface="+mn-ea"/>
+            </a:endParaRPr>
+          </a:p>
+        </p:txBody>
+      </p:sp>
+      <p:sp>
+        <p:nvSpPr>
+          <p:cNvPr id="6" name="文本框 5"/>
+          <p:cNvSpPr txBox="1"/>
+          <p:nvPr/>
+        </p:nvSpPr>
+        <p:spPr>
+          <a:xfrm>
+            <a:off x="516255" y="4386580"/>
+            <a:ext cx="11281410" cy="1106805"/>
+          </a:xfrm>
+          <a:prstGeom prst="rect">
+            <a:avLst/>
+          </a:prstGeom>
+          <a:noFill/>
+          <a:ln>
+            <a:noFill/>
+          </a:ln>
+        </p:spPr>
+        <p:txBody>
+          <a:bodyPr wrap="square" rtlCol="0">
+            <a:spAutoFit/>
+          </a:bodyPr>
+          <a:p>
+            <a:r>
+              <a:rPr lang="en-US" sz="2200">
+                <a:latin typeface="Aa小梨涡" panose="02010600010101010101" charset="-122"/>
+                <a:ea typeface="Aa小梨涡" panose="02010600010101010101" charset="-122"/>
+                <a:cs typeface="Aa小梨涡" panose="02010600010101010101" charset="-122"/>
+                <a:sym typeface="+mn-ea"/>
+              </a:rPr>
+              <a:t>        </a:t>
+            </a:r>
+            <a:r>
+              <a:rPr lang="zh-CN" altLang="en-US" sz="2200">
+                <a:latin typeface="Aa小梨涡" panose="02010600010101010101" charset="-122"/>
+                <a:ea typeface="Aa小梨涡" panose="02010600010101010101" charset="-122"/>
+                <a:cs typeface="Aa小梨涡" panose="02010600010101010101" charset="-122"/>
+                <a:sym typeface="+mn-ea"/>
+              </a:rPr>
+              <a:t>切片</a:t>
+            </a:r>
+            <a:r>
+              <a:rPr sz="2200">
+                <a:latin typeface="Aa小梨涡" panose="02010600010101010101" charset="-122"/>
+                <a:ea typeface="Aa小梨涡" panose="02010600010101010101" charset="-122"/>
+                <a:cs typeface="Aa小梨涡" panose="02010600010101010101" charset="-122"/>
+                <a:sym typeface="+mn-ea"/>
+              </a:rPr>
+              <a:t>使得开发者能够轻易地访问序列中的某些元素构成的子集</a:t>
+            </a:r>
+            <a:r>
+              <a:rPr lang="zh-CN" sz="2200">
+                <a:latin typeface="Aa小梨涡" panose="02010600010101010101" charset="-122"/>
+                <a:ea typeface="Aa小梨涡" panose="02010600010101010101" charset="-122"/>
+                <a:cs typeface="Aa小梨涡" panose="02010600010101010101" charset="-122"/>
+                <a:sym typeface="+mn-ea"/>
+              </a:rPr>
+              <a:t>，由</a:t>
+            </a:r>
+            <a:r>
+              <a:rPr lang="zh-CN" sz="2200">
+                <a:solidFill>
+                  <a:srgbClr val="FF0000"/>
+                </a:solidFill>
+                <a:latin typeface="Aa小梨涡" panose="02010600010101010101" charset="-122"/>
+                <a:ea typeface="Aa小梨涡" panose="02010600010101010101" charset="-122"/>
+                <a:cs typeface="Aa小梨涡" panose="02010600010101010101" charset="-122"/>
+                <a:sym typeface="+mn-ea"/>
+              </a:rPr>
+              <a:t>：运算符</a:t>
+            </a:r>
+            <a:r>
+              <a:rPr lang="zh-CN" sz="2200">
+                <a:latin typeface="Aa小梨涡" panose="02010600010101010101" charset="-122"/>
+                <a:ea typeface="Aa小梨涡" panose="02010600010101010101" charset="-122"/>
+                <a:cs typeface="Aa小梨涡" panose="02010600010101010101" charset="-122"/>
+                <a:sym typeface="+mn-ea"/>
+              </a:rPr>
+              <a:t>实现，基本</a:t>
+            </a:r>
+            <a:r>
+              <a:rPr sz="2200">
+                <a:latin typeface="Aa小梨涡" panose="02010600010101010101" charset="-122"/>
+                <a:ea typeface="Aa小梨涡" panose="02010600010101010101" charset="-122"/>
+                <a:cs typeface="Aa小梨涡" panose="02010600010101010101" charset="-122"/>
+                <a:sym typeface="+mn-ea"/>
+              </a:rPr>
+              <a:t>写法是</a:t>
+            </a:r>
+            <a:r>
+              <a:rPr sz="2200" b="1">
+                <a:solidFill>
+                  <a:srgbClr val="FF0000"/>
+                </a:solidFill>
+                <a:latin typeface="Aa小梨涡" panose="02010600010101010101" charset="-122"/>
+                <a:ea typeface="Aa小梨涡" panose="02010600010101010101" charset="-122"/>
+                <a:cs typeface="Aa小梨涡" panose="02010600010101010101" charset="-122"/>
+                <a:sym typeface="+mn-ea"/>
+              </a:rPr>
+              <a:t>somelist[start:end]</a:t>
+            </a:r>
+            <a:r>
+              <a:rPr sz="2200">
+                <a:latin typeface="Aa小梨涡" panose="02010600010101010101" charset="-122"/>
+                <a:ea typeface="Aa小梨涡" panose="02010600010101010101" charset="-122"/>
+                <a:cs typeface="Aa小梨涡" panose="02010600010101010101" charset="-122"/>
+                <a:sym typeface="+mn-ea"/>
+              </a:rPr>
+              <a:t>，其中start所指的原始涵盖在切割后的范围内，而end所指的元素则不包括在切割结果之中。</a:t>
+            </a:r>
+            <a:endParaRPr sz="2200">
+              <a:latin typeface="Aa小梨涡" panose="02010600010101010101" charset="-122"/>
+              <a:ea typeface="Aa小梨涡" panose="02010600010101010101" charset="-122"/>
+              <a:cs typeface="Aa小梨涡" panose="02010600010101010101" charset="-122"/>
+              <a:sym typeface="+mn-ea"/>
+            </a:endParaRPr>
+          </a:p>
+        </p:txBody>
+      </p:sp>
     </p:spTree>
   </p:cSld>
   <p:clrMapOvr>
     <a:masterClrMapping/>
   </p:clrMapOvr>
+  <p:timing>
+    <p:tnLst>
+      <p:par>
+        <p:cTn id="1" dur="indefinite" restart="never" nodeType="tmRoot">
+          <p:childTnLst>
+            <p:seq concurrent="1" nextAc="seek">
+              <p:cTn id="2" dur="indefinite" nodeType="mainSeq">
+                <p:childTnLst>
+                  <p:par>
+                    <p:cTn id="3" fill="hold">
+                      <p:stCondLst>
+                        <p:cond delay="indefinite"/>
+                      </p:stCondLst>
+                      <p:childTnLst>
+                        <p:par>
+                          <p:cTn id="4" fill="hold">
+                            <p:stCondLst>
+                              <p:cond delay="0"/>
+                            </p:stCondLst>
+                            <p:childTnLst>
+                              <p:par>
+                                <p:cTn id="5" presetID="1" presetClass="entr" presetSubtype="0" fill="hold" grpId="0" nodeType="clickEffect">
+                                  <p:stCondLst>
+                                    <p:cond delay="0"/>
+                                  </p:stCondLst>
+                                  <p:childTnLst>
+                                    <p:set>
+                                      <p:cBhvr>
+                                        <p:cTn id="6" dur="1" fill="hold">
+                                          <p:stCondLst>
+                                            <p:cond delay="0"/>
+                                          </p:stCondLst>
+                                        </p:cTn>
+                                        <p:tgtEl>
+                                          <p:spTgt spid="5"/>
+                                        </p:tgtEl>
+                                        <p:attrNameLst>
+                                          <p:attrName>style.visibility</p:attrName>
+                                        </p:attrNameLst>
+                                      </p:cBhvr>
+                                      <p:to>
+                                        <p:strVal val="visible"/>
+                                      </p:to>
+                                    </p:set>
+                                  </p:childTnLst>
+                                </p:cTn>
+                              </p:par>
+                            </p:childTnLst>
+                          </p:cTn>
+                        </p:par>
+                      </p:childTnLst>
+                    </p:cTn>
+                  </p:par>
+                  <p:par>
+                    <p:cTn id="7" fill="hold">
+                      <p:stCondLst>
+                        <p:cond delay="indefinite"/>
+                      </p:stCondLst>
+                      <p:childTnLst>
+                        <p:par>
+                          <p:cTn id="8" fill="hold">
+                            <p:stCondLst>
+                              <p:cond delay="0"/>
+                            </p:stCondLst>
+                            <p:childTnLst>
+                              <p:par>
+                                <p:cTn id="9" presetID="1" presetClass="entr" presetSubtype="0" fill="hold" grpId="0" nodeType="clickEffect">
+                                  <p:stCondLst>
+                                    <p:cond delay="0"/>
+                                  </p:stCondLst>
+                                  <p:childTnLst>
+                                    <p:set>
+                                      <p:cBhvr>
+                                        <p:cTn id="10" dur="1" fill="hold">
+                                          <p:stCondLst>
+                                            <p:cond delay="0"/>
+                                          </p:stCondLst>
+                                        </p:cTn>
+                                        <p:tgtEl>
+                                          <p:spTgt spid="3"/>
+                                        </p:tgtEl>
+                                        <p:attrNameLst>
+                                          <p:attrName>style.visibility</p:attrName>
+                                        </p:attrNameLst>
+                                      </p:cBhvr>
+                                      <p:to>
+                                        <p:strVal val="visible"/>
+                                      </p:to>
+                                    </p:set>
+                                  </p:childTnLst>
+                                </p:cTn>
+                              </p:par>
+                            </p:childTnLst>
+                          </p:cTn>
+                        </p:par>
+                      </p:childTnLst>
+                    </p:cTn>
+                  </p:par>
+                  <p:par>
+                    <p:cTn id="11" fill="hold">
+                      <p:stCondLst>
+                        <p:cond delay="indefinite"/>
+                      </p:stCondLst>
+                      <p:childTnLst>
+                        <p:par>
+                          <p:cTn id="12" fill="hold">
+                            <p:stCondLst>
+                              <p:cond delay="0"/>
+                            </p:stCondLst>
+                            <p:childTnLst>
+                              <p:par>
+                                <p:cTn id="13" presetID="1" presetClass="entr" presetSubtype="0" fill="hold" grpId="0" nodeType="clickEffect">
+                                  <p:stCondLst>
+                                    <p:cond delay="0"/>
+                                  </p:stCondLst>
+                                  <p:childTnLst>
+                                    <p:set>
+                                      <p:cBhvr>
+                                        <p:cTn id="14" dur="1" fill="hold">
+                                          <p:stCondLst>
+                                            <p:cond delay="0"/>
+                                          </p:stCondLst>
+                                        </p:cTn>
+                                        <p:tgtEl>
+                                          <p:spTgt spid="8"/>
+                                        </p:tgtEl>
+                                        <p:attrNameLst>
+                                          <p:attrName>style.visibility</p:attrName>
+                                        </p:attrNameLst>
+                                      </p:cBhvr>
+                                      <p:to>
+                                        <p:strVal val="visible"/>
+                                      </p:to>
+                                    </p:set>
+                                  </p:childTnLst>
+                                </p:cTn>
+                              </p:par>
+                            </p:childTnLst>
+                          </p:cTn>
+                        </p:par>
+                      </p:childTnLst>
+                    </p:cTn>
+                  </p:par>
+                  <p:par>
+                    <p:cTn id="15" fill="hold">
+                      <p:stCondLst>
+                        <p:cond delay="indefinite"/>
+                      </p:stCondLst>
+                      <p:childTnLst>
+                        <p:par>
+                          <p:cTn id="16" fill="hold">
+                            <p:stCondLst>
+                              <p:cond delay="0"/>
+                            </p:stCondLst>
+                            <p:childTnLst>
+                              <p:par>
+                                <p:cTn id="17" presetID="1" presetClass="entr" presetSubtype="0" fill="hold" grpId="0" nodeType="clickEffect">
+                                  <p:stCondLst>
+                                    <p:cond delay="0"/>
+                                  </p:stCondLst>
+                                  <p:childTnLst>
+                                    <p:set>
+                                      <p:cBhvr>
+                                        <p:cTn id="18" dur="1" fill="hold">
+                                          <p:stCondLst>
+                                            <p:cond delay="0"/>
+                                          </p:stCondLst>
+                                        </p:cTn>
+                                        <p:tgtEl>
+                                          <p:spTgt spid="4"/>
+                                        </p:tgtEl>
+                                        <p:attrNameLst>
+                                          <p:attrName>style.visibility</p:attrName>
+                                        </p:attrNameLst>
+                                      </p:cBhvr>
+                                      <p:to>
+                                        <p:strVal val="visible"/>
+                                      </p:to>
+                                    </p:set>
+                                  </p:childTnLst>
+                                </p:cTn>
+                              </p:par>
+                            </p:childTnLst>
+                          </p:cTn>
+                        </p:par>
+                      </p:childTnLst>
+                    </p:cTn>
+                  </p:par>
+                  <p:par>
+                    <p:cTn id="19" fill="hold">
+                      <p:stCondLst>
+                        <p:cond delay="indefinite"/>
+                      </p:stCondLst>
+                      <p:childTnLst>
+                        <p:par>
+                          <p:cTn id="20" fill="hold">
+                            <p:stCondLst>
+                              <p:cond delay="0"/>
+                            </p:stCondLst>
+                            <p:childTnLst>
+                              <p:par>
+                                <p:cTn id="21" presetID="1" presetClass="entr" presetSubtype="0" fill="hold" grpId="0" nodeType="clickEffect">
+                                  <p:stCondLst>
+                                    <p:cond delay="0"/>
+                                  </p:stCondLst>
+                                  <p:childTnLst>
+                                    <p:set>
+                                      <p:cBhvr>
+                                        <p:cTn id="22" dur="1" fill="hold">
+                                          <p:stCondLst>
+                                            <p:cond delay="0"/>
+                                          </p:stCondLst>
+                                        </p:cTn>
+                                        <p:tgtEl>
+                                          <p:spTgt spid="6"/>
+                                        </p:tgtEl>
+                                        <p:attrNameLst>
+                                          <p:attrName>style.visibility</p:attrName>
+                                        </p:attrNameLst>
+                                      </p:cBhvr>
+                                      <p:to>
+                                        <p:strVal val="visible"/>
+                                      </p:to>
+                                    </p:set>
+                                  </p:childTnLst>
+                                </p:cTn>
+                              </p:par>
+                            </p:childTnLst>
+                          </p:cTn>
+                        </p:par>
+                      </p:childTnLst>
+                    </p:cTn>
+                  </p:par>
+                </p:childTnLst>
+              </p:cTn>
+              <p:prevCondLst>
+                <p:cond evt="onPrev" delay="0">
+                  <p:tgtEl>
+                    <p:sldTgt/>
+                  </p:tgtEl>
+                </p:cond>
+              </p:prevCondLst>
+              <p:nextCondLst>
+                <p:cond evt="onNext" delay="0">
+                  <p:tgtEl>
+                    <p:sldTgt/>
+                  </p:tgtEl>
+                </p:cond>
+              </p:nextCondLst>
+            </p:seq>
+          </p:childTnLst>
+        </p:cTn>
+      </p:par>
+    </p:tnLst>
+    <p:bldLst>
+      <p:bldP spid="5" grpId="0" bldLvl="0" animBg="1"/>
+      <p:bldP spid="5" grpId="1"/>
+      <p:bldP spid="3" grpId="0" bldLvl="0" animBg="1"/>
+      <p:bldP spid="3" grpId="1"/>
+      <p:bldP spid="8" grpId="0" bldLvl="0" animBg="1"/>
+      <p:bldP spid="8" grpId="1" animBg="1"/>
+      <p:bldP spid="4" grpId="0" bldLvl="0" animBg="1"/>
+      <p:bldP spid="4" grpId="1"/>
+      <p:bldP spid="6" grpId="0" bldLvl="0" animBg="1"/>
+      <p:bldP spid="6" grpId="1"/>
+    </p:bldLst>
+  </p:timing>
 </p:sld>
 </file>
 
@@ -12812,8 +14081,8 @@
         </p:nvSpPr>
         <p:spPr>
           <a:xfrm>
-            <a:off x="5132070" y="245745"/>
-            <a:ext cx="2136775" cy="817245"/>
+            <a:off x="4523740" y="245745"/>
+            <a:ext cx="3265805" cy="817245"/>
           </a:xfrm>
         </p:spPr>
         <p:txBody>
@@ -12826,14 +14095,14 @@
                 <a:latin typeface="Aa小梨涡" panose="02010600010101010101" charset="-122"/>
                 <a:ea typeface="Aa小梨涡" panose="02010600010101010101" charset="-122"/>
               </a:rPr>
-              <a:t>1.</a:t>
+              <a:t>2.3 </a:t>
             </a:r>
             <a:r>
               <a:rPr lang="zh-CN" altLang="en-US">
                 <a:latin typeface="Aa小梨涡" panose="02010600010101010101" charset="-122"/>
                 <a:ea typeface="Aa小梨涡" panose="02010600010101010101" charset="-122"/>
               </a:rPr>
-              <a:t>开篇词</a:t>
+              <a:t>序列切片</a:t>
             </a:r>
             <a:endParaRPr lang="zh-CN" altLang="en-US">
               <a:latin typeface="Aa小梨涡" panose="02010600010101010101" charset="-122"/>
@@ -12935,11 +14204,494 @@
           </a:p>
         </p:txBody>
       </p:sp>
+      <p:sp>
+        <p:nvSpPr>
+          <p:cNvPr id="8" name="文本框 7"/>
+          <p:cNvSpPr txBox="1"/>
+          <p:nvPr/>
+        </p:nvSpPr>
+        <p:spPr>
+          <a:xfrm>
+            <a:off x="506730" y="1408430"/>
+            <a:ext cx="10668000" cy="1938020"/>
+          </a:xfrm>
+          <a:prstGeom prst="rect">
+            <a:avLst/>
+          </a:prstGeom>
+          <a:noFill/>
+          <a:ln>
+            <a:solidFill>
+              <a:schemeClr val="accent1"/>
+            </a:solidFill>
+          </a:ln>
+        </p:spPr>
+        <p:txBody>
+          <a:bodyPr wrap="square" rtlCol="0">
+            <a:spAutoFit/>
+          </a:bodyPr>
+          <a:p>
+            <a:pPr algn="l" fontAlgn="auto">
+              <a:lnSpc>
+                <a:spcPct val="150000"/>
+              </a:lnSpc>
+            </a:pPr>
+            <a:r>
+              <a:rPr sz="2000">
+                <a:latin typeface="Comic Sans MS" panose="030F0702030302020204" charset="0"/>
+                <a:cs typeface="Comic Sans MS" panose="030F0702030302020204" charset="0"/>
+                <a:sym typeface="+mn-ea"/>
+              </a:rPr>
+              <a:t>a = ['a', 'b', 'c', 'd', 'e', 'f', 'g', 'h']</a:t>
+            </a:r>
+            <a:endParaRPr sz="2000">
+              <a:latin typeface="Comic Sans MS" panose="030F0702030302020204" charset="0"/>
+              <a:cs typeface="Comic Sans MS" panose="030F0702030302020204" charset="0"/>
+              <a:sym typeface="+mn-ea"/>
+            </a:endParaRPr>
+          </a:p>
+          <a:p>
+            <a:pPr algn="l" fontAlgn="auto">
+              <a:lnSpc>
+                <a:spcPct val="150000"/>
+              </a:lnSpc>
+            </a:pPr>
+            <a:r>
+              <a:rPr sz="2000">
+                <a:latin typeface="Comic Sans MS" panose="030F0702030302020204" charset="0"/>
+                <a:cs typeface="Comic Sans MS" panose="030F0702030302020204" charset="0"/>
+                <a:sym typeface="+mn-ea"/>
+              </a:rPr>
+              <a:t>print('First four:', a[:4])</a:t>
+            </a:r>
+            <a:r>
+              <a:rPr sz="2000" baseline="30000">
+                <a:solidFill>
+                  <a:schemeClr val="tx1"/>
+                </a:solidFill>
+                <a:uFillTx/>
+                <a:latin typeface="Calibri" panose="020F0502020204030204" charset="0"/>
+                <a:cs typeface="Comic Sans MS" panose="030F0702030302020204" charset="0"/>
+                <a:sym typeface="+mn-ea"/>
+              </a:rPr>
+              <a:t>①</a:t>
+            </a:r>
+            <a:r>
+              <a:rPr sz="2000">
+                <a:latin typeface="Comic Sans MS" panose="030F0702030302020204" charset="0"/>
+                <a:cs typeface="Comic Sans MS" panose="030F0702030302020204" charset="0"/>
+                <a:sym typeface="+mn-ea"/>
+              </a:rPr>
+              <a:t>        </a:t>
+            </a:r>
+            <a:r>
+              <a:rPr lang="en-US" sz="2000">
+                <a:latin typeface="Comic Sans MS" panose="030F0702030302020204" charset="0"/>
+                <a:cs typeface="Comic Sans MS" panose="030F0702030302020204" charset="0"/>
+                <a:sym typeface="+mn-ea"/>
+              </a:rPr>
+              <a:t># ['a', 'b', 'c', 'd'] </a:t>
+            </a:r>
+            <a:endParaRPr lang="en-US" sz="2000">
+              <a:latin typeface="Comic Sans MS" panose="030F0702030302020204" charset="0"/>
+              <a:cs typeface="Comic Sans MS" panose="030F0702030302020204" charset="0"/>
+              <a:sym typeface="+mn-ea"/>
+            </a:endParaRPr>
+          </a:p>
+          <a:p>
+            <a:pPr algn="l" fontAlgn="auto">
+              <a:lnSpc>
+                <a:spcPct val="150000"/>
+              </a:lnSpc>
+            </a:pPr>
+            <a:r>
+              <a:rPr sz="2000">
+                <a:latin typeface="Comic Sans MS" panose="030F0702030302020204" charset="0"/>
+                <a:cs typeface="Comic Sans MS" panose="030F0702030302020204" charset="0"/>
+                <a:sym typeface="+mn-ea"/>
+              </a:rPr>
+              <a:t>print('Last four: ', a[-4:])</a:t>
+            </a:r>
+            <a:r>
+              <a:rPr sz="2000" baseline="30000">
+                <a:uFillTx/>
+                <a:latin typeface="Calibri" panose="020F0502020204030204" charset="0"/>
+                <a:cs typeface="Comic Sans MS" panose="030F0702030302020204" charset="0"/>
+                <a:sym typeface="+mn-ea"/>
+              </a:rPr>
+              <a:t>②</a:t>
+            </a:r>
+            <a:r>
+              <a:rPr sz="2000">
+                <a:latin typeface="Comic Sans MS" panose="030F0702030302020204" charset="0"/>
+                <a:cs typeface="Comic Sans MS" panose="030F0702030302020204" charset="0"/>
+                <a:sym typeface="+mn-ea"/>
+              </a:rPr>
+              <a:t>       </a:t>
+            </a:r>
+            <a:r>
+              <a:rPr lang="en-US" sz="2000">
+                <a:latin typeface="Comic Sans MS" panose="030F0702030302020204" charset="0"/>
+                <a:cs typeface="Comic Sans MS" panose="030F0702030302020204" charset="0"/>
+                <a:sym typeface="+mn-ea"/>
+              </a:rPr>
+              <a:t># ['e', 'f', 'g', 'h']</a:t>
+            </a:r>
+            <a:endParaRPr lang="en-US" sz="2000">
+              <a:latin typeface="Comic Sans MS" panose="030F0702030302020204" charset="0"/>
+              <a:cs typeface="Comic Sans MS" panose="030F0702030302020204" charset="0"/>
+              <a:sym typeface="+mn-ea"/>
+            </a:endParaRPr>
+          </a:p>
+          <a:p>
+            <a:pPr algn="l" fontAlgn="auto">
+              <a:lnSpc>
+                <a:spcPct val="150000"/>
+              </a:lnSpc>
+            </a:pPr>
+            <a:r>
+              <a:rPr sz="2000">
+                <a:latin typeface="Comic Sans MS" panose="030F0702030302020204" charset="0"/>
+                <a:cs typeface="Comic Sans MS" panose="030F0702030302020204" charset="0"/>
+                <a:sym typeface="+mn-ea"/>
+              </a:rPr>
+              <a:t>print('Middle two: ', a[3:-3])</a:t>
+            </a:r>
+            <a:r>
+              <a:rPr sz="2000" baseline="30000">
+                <a:uFillTx/>
+                <a:latin typeface="Calibri" panose="020F0502020204030204" charset="0"/>
+                <a:cs typeface="Comic Sans MS" panose="030F0702030302020204" charset="0"/>
+                <a:sym typeface="+mn-ea"/>
+              </a:rPr>
+              <a:t>③</a:t>
+            </a:r>
+            <a:r>
+              <a:rPr sz="2000">
+                <a:latin typeface="Comic Sans MS" panose="030F0702030302020204" charset="0"/>
+                <a:cs typeface="Comic Sans MS" panose="030F0702030302020204" charset="0"/>
+                <a:sym typeface="+mn-ea"/>
+              </a:rPr>
+              <a:t>  </a:t>
+            </a:r>
+            <a:r>
+              <a:rPr lang="en-US" sz="2000">
+                <a:latin typeface="Comic Sans MS" panose="030F0702030302020204" charset="0"/>
+                <a:cs typeface="Comic Sans MS" panose="030F0702030302020204" charset="0"/>
+                <a:sym typeface="+mn-ea"/>
+              </a:rPr>
+              <a:t># ['d', 'e']</a:t>
+            </a:r>
+            <a:endParaRPr lang="en-US" sz="2000">
+              <a:latin typeface="Comic Sans MS" panose="030F0702030302020204" charset="0"/>
+              <a:cs typeface="Comic Sans MS" panose="030F0702030302020204" charset="0"/>
+              <a:sym typeface="+mn-ea"/>
+            </a:endParaRPr>
+          </a:p>
+        </p:txBody>
+      </p:sp>
+      <p:sp>
+        <p:nvSpPr>
+          <p:cNvPr id="7" name="文本框 6"/>
+          <p:cNvSpPr txBox="1"/>
+          <p:nvPr/>
+        </p:nvSpPr>
+        <p:spPr>
+          <a:xfrm>
+            <a:off x="516255" y="3757295"/>
+            <a:ext cx="11281410" cy="1614805"/>
+          </a:xfrm>
+          <a:prstGeom prst="rect">
+            <a:avLst/>
+          </a:prstGeom>
+          <a:noFill/>
+          <a:ln>
+            <a:noFill/>
+          </a:ln>
+        </p:spPr>
+        <p:txBody>
+          <a:bodyPr wrap="square" rtlCol="0">
+            <a:spAutoFit/>
+          </a:bodyPr>
+          <a:p>
+            <a:pPr fontAlgn="auto">
+              <a:lnSpc>
+                <a:spcPct val="150000"/>
+              </a:lnSpc>
+            </a:pPr>
+            <a:r>
+              <a:rPr sz="2200">
+                <a:latin typeface="Calibri" panose="020F0502020204030204" charset="0"/>
+                <a:ea typeface="Aa小梨涡" panose="02010600010101010101" charset="-122"/>
+                <a:cs typeface="Aa小梨涡" panose="02010600010101010101" charset="-122"/>
+                <a:sym typeface="+mn-ea"/>
+              </a:rPr>
+              <a:t>①</a:t>
+            </a:r>
+            <a:r>
+              <a:rPr sz="2200">
+                <a:latin typeface="Aa小梨涡" panose="02010600010101010101" charset="-122"/>
+                <a:ea typeface="Aa小梨涡" panose="02010600010101010101" charset="-122"/>
+                <a:cs typeface="Aa小梨涡" panose="02010600010101010101" charset="-122"/>
+                <a:sym typeface="+mn-ea"/>
+              </a:rPr>
+              <a:t>“如果从列表开头获取切片，那就不要在start写上0，而是应该留空</a:t>
+            </a:r>
+            <a:r>
+              <a:rPr lang="zh-CN" sz="2200">
+                <a:latin typeface="Aa小梨涡" panose="02010600010101010101" charset="-122"/>
+                <a:ea typeface="Aa小梨涡" panose="02010600010101010101" charset="-122"/>
+                <a:cs typeface="Aa小梨涡" panose="02010600010101010101" charset="-122"/>
+                <a:sym typeface="+mn-ea"/>
+              </a:rPr>
+              <a:t>。</a:t>
+            </a:r>
+            <a:r>
+              <a:rPr sz="2200">
+                <a:latin typeface="Aa小梨涡" panose="02010600010101010101" charset="-122"/>
+                <a:ea typeface="Aa小梨涡" panose="02010600010101010101" charset="-122"/>
+                <a:cs typeface="Aa小梨涡" panose="02010600010101010101" charset="-122"/>
+                <a:sym typeface="+mn-ea"/>
+              </a:rPr>
+              <a:t>”</a:t>
+            </a:r>
+            <a:endParaRPr sz="2200">
+              <a:latin typeface="Aa小梨涡" panose="02010600010101010101" charset="-122"/>
+              <a:ea typeface="Aa小梨涡" panose="02010600010101010101" charset="-122"/>
+              <a:cs typeface="Aa小梨涡" panose="02010600010101010101" charset="-122"/>
+              <a:sym typeface="+mn-ea"/>
+            </a:endParaRPr>
+          </a:p>
+          <a:p>
+            <a:pPr fontAlgn="auto">
+              <a:lnSpc>
+                <a:spcPct val="150000"/>
+              </a:lnSpc>
+            </a:pPr>
+            <a:r>
+              <a:rPr sz="2200">
+                <a:latin typeface="Calibri" panose="020F0502020204030204" charset="0"/>
+                <a:ea typeface="Aa小梨涡" panose="02010600010101010101" charset="-122"/>
+                <a:cs typeface="Aa小梨涡" panose="02010600010101010101" charset="-122"/>
+                <a:sym typeface="+mn-ea"/>
+              </a:rPr>
+              <a:t>②</a:t>
+            </a:r>
+            <a:r>
+              <a:rPr sz="2200">
+                <a:latin typeface="Aa小梨涡" panose="02010600010101010101" charset="-122"/>
+                <a:ea typeface="Aa小梨涡" panose="02010600010101010101" charset="-122"/>
+                <a:cs typeface="Aa小梨涡" panose="02010600010101010101" charset="-122"/>
+                <a:sym typeface="+mn-ea"/>
+              </a:rPr>
+              <a:t>“如果切片一直要取到列表末尾，那就把end留空</a:t>
+            </a:r>
+            <a:r>
+              <a:rPr lang="zh-CN" sz="2200">
+                <a:latin typeface="Aa小梨涡" panose="02010600010101010101" charset="-122"/>
+                <a:ea typeface="Aa小梨涡" panose="02010600010101010101" charset="-122"/>
+                <a:cs typeface="Aa小梨涡" panose="02010600010101010101" charset="-122"/>
+                <a:sym typeface="+mn-ea"/>
+              </a:rPr>
+              <a:t>。</a:t>
+            </a:r>
+            <a:r>
+              <a:rPr sz="2200">
+                <a:latin typeface="Aa小梨涡" panose="02010600010101010101" charset="-122"/>
+                <a:ea typeface="Aa小梨涡" panose="02010600010101010101" charset="-122"/>
+                <a:cs typeface="Aa小梨涡" panose="02010600010101010101" charset="-122"/>
+                <a:sym typeface="+mn-ea"/>
+              </a:rPr>
+              <a:t>”</a:t>
+            </a:r>
+            <a:endParaRPr sz="2200">
+              <a:latin typeface="Aa小梨涡" panose="02010600010101010101" charset="-122"/>
+              <a:ea typeface="Aa小梨涡" panose="02010600010101010101" charset="-122"/>
+              <a:cs typeface="Aa小梨涡" panose="02010600010101010101" charset="-122"/>
+              <a:sym typeface="+mn-ea"/>
+            </a:endParaRPr>
+          </a:p>
+          <a:p>
+            <a:pPr fontAlgn="auto">
+              <a:lnSpc>
+                <a:spcPct val="150000"/>
+              </a:lnSpc>
+            </a:pPr>
+            <a:r>
+              <a:rPr sz="2200">
+                <a:latin typeface="Calibri" panose="020F0502020204030204" charset="0"/>
+                <a:ea typeface="Aa小梨涡" panose="02010600010101010101" charset="-122"/>
+                <a:cs typeface="Aa小梨涡" panose="02010600010101010101" charset="-122"/>
+                <a:sym typeface="+mn-ea"/>
+              </a:rPr>
+              <a:t>③</a:t>
+            </a:r>
+            <a:r>
+              <a:rPr sz="2200">
+                <a:latin typeface="Aa小梨涡" panose="02010600010101010101" charset="-122"/>
+                <a:ea typeface="Aa小梨涡" panose="02010600010101010101" charset="-122"/>
+                <a:cs typeface="Aa小梨涡" panose="02010600010101010101" charset="-122"/>
+                <a:sym typeface="+mn-ea"/>
+              </a:rPr>
+              <a:t>“在指定切片起止索引时，若要从列表尾部向前算，则可以使用负值来表示相关偏移量</a:t>
+            </a:r>
+            <a:r>
+              <a:rPr lang="zh-CN" sz="2200">
+                <a:latin typeface="Aa小梨涡" panose="02010600010101010101" charset="-122"/>
+                <a:ea typeface="Aa小梨涡" panose="02010600010101010101" charset="-122"/>
+                <a:cs typeface="Aa小梨涡" panose="02010600010101010101" charset="-122"/>
+                <a:sym typeface="+mn-ea"/>
+              </a:rPr>
+              <a:t>。</a:t>
+            </a:r>
+            <a:r>
+              <a:rPr sz="2200">
+                <a:latin typeface="Aa小梨涡" panose="02010600010101010101" charset="-122"/>
+                <a:ea typeface="Aa小梨涡" panose="02010600010101010101" charset="-122"/>
+                <a:cs typeface="Aa小梨涡" panose="02010600010101010101" charset="-122"/>
+                <a:sym typeface="+mn-ea"/>
+              </a:rPr>
+              <a:t>”</a:t>
+            </a:r>
+            <a:endParaRPr sz="2200">
+              <a:latin typeface="Aa小梨涡" panose="02010600010101010101" charset="-122"/>
+              <a:ea typeface="Aa小梨涡" panose="02010600010101010101" charset="-122"/>
+              <a:cs typeface="Aa小梨涡" panose="02010600010101010101" charset="-122"/>
+              <a:sym typeface="+mn-ea"/>
+            </a:endParaRPr>
+          </a:p>
+        </p:txBody>
+      </p:sp>
     </p:spTree>
   </p:cSld>
   <p:clrMapOvr>
     <a:masterClrMapping/>
   </p:clrMapOvr>
+  <p:timing>
+    <p:tnLst>
+      <p:par>
+        <p:cTn id="1" dur="indefinite" restart="never" nodeType="tmRoot">
+          <p:childTnLst>
+            <p:seq concurrent="1" nextAc="seek">
+              <p:cTn id="2" dur="indefinite" nodeType="mainSeq">
+                <p:childTnLst>
+                  <p:par>
+                    <p:cTn id="3" fill="hold">
+                      <p:stCondLst>
+                        <p:cond delay="indefinite"/>
+                      </p:stCondLst>
+                      <p:childTnLst>
+                        <p:par>
+                          <p:cTn id="4" fill="hold">
+                            <p:stCondLst>
+                              <p:cond delay="0"/>
+                            </p:stCondLst>
+                            <p:childTnLst>
+                              <p:par>
+                                <p:cTn id="5" presetID="1" presetClass="entr" presetSubtype="0" fill="hold" grpId="0" nodeType="clickEffect">
+                                  <p:stCondLst>
+                                    <p:cond delay="0"/>
+                                  </p:stCondLst>
+                                  <p:childTnLst>
+                                    <p:set>
+                                      <p:cBhvr>
+                                        <p:cTn id="6" dur="1" fill="hold">
+                                          <p:stCondLst>
+                                            <p:cond delay="0"/>
+                                          </p:stCondLst>
+                                        </p:cTn>
+                                        <p:tgtEl>
+                                          <p:spTgt spid="8"/>
+                                        </p:tgtEl>
+                                        <p:attrNameLst>
+                                          <p:attrName>style.visibility</p:attrName>
+                                        </p:attrNameLst>
+                                      </p:cBhvr>
+                                      <p:to>
+                                        <p:strVal val="visible"/>
+                                      </p:to>
+                                    </p:set>
+                                  </p:childTnLst>
+                                </p:cTn>
+                              </p:par>
+                            </p:childTnLst>
+                          </p:cTn>
+                        </p:par>
+                      </p:childTnLst>
+                    </p:cTn>
+                  </p:par>
+                  <p:par>
+                    <p:cTn id="7" fill="hold">
+                      <p:stCondLst>
+                        <p:cond delay="indefinite"/>
+                      </p:stCondLst>
+                      <p:childTnLst>
+                        <p:par>
+                          <p:cTn id="8" fill="hold">
+                            <p:stCondLst>
+                              <p:cond delay="0"/>
+                            </p:stCondLst>
+                            <p:childTnLst>
+                              <p:par>
+                                <p:cTn id="9" presetID="1" presetClass="entr" presetSubtype="0" fill="hold" grpId="0" nodeType="clickEffect">
+                                  <p:stCondLst>
+                                    <p:cond delay="0"/>
+                                  </p:stCondLst>
+                                  <p:childTnLst>
+                                    <p:set>
+                                      <p:cBhvr>
+                                        <p:cTn id="10" dur="1" fill="hold">
+                                          <p:stCondLst>
+                                            <p:cond delay="0"/>
+                                          </p:stCondLst>
+                                        </p:cTn>
+                                        <p:tgtEl>
+                                          <p:spTgt spid="7"/>
+                                        </p:tgtEl>
+                                        <p:attrNameLst>
+                                          <p:attrName>style.visibility</p:attrName>
+                                        </p:attrNameLst>
+                                      </p:cBhvr>
+                                      <p:to>
+                                        <p:strVal val="visible"/>
+                                      </p:to>
+                                    </p:set>
+                                  </p:childTnLst>
+                                </p:cTn>
+                              </p:par>
+                            </p:childTnLst>
+                          </p:cTn>
+                        </p:par>
+                      </p:childTnLst>
+                    </p:cTn>
+                  </p:par>
+                </p:childTnLst>
+              </p:cTn>
+              <p:prevCondLst>
+                <p:cond evt="onPrev" delay="0">
+                  <p:tgtEl>
+                    <p:sldTgt/>
+                  </p:tgtEl>
+                </p:cond>
+              </p:prevCondLst>
+              <p:nextCondLst>
+                <p:cond evt="onNext" delay="0">
+                  <p:tgtEl>
+                    <p:sldTgt/>
+                  </p:tgtEl>
+                </p:cond>
+              </p:nextCondLst>
+            </p:seq>
+          </p:childTnLst>
+        </p:cTn>
+      </p:par>
+    </p:tnLst>
+    <p:bldLst>
+      <p:bldP spid="8" grpId="0" bldLvl="0" animBg="1"/>
+      <p:bldP spid="8" grpId="1" animBg="1"/>
+      <p:bldP spid="7" grpId="0" bldLvl="0" animBg="1"/>
+      <p:bldP spid="7" grpId="1"/>
+    </p:bldLst>
+  </p:timing>
 </p:sld>
 </file>
 
@@ -13138,8 +14890,8 @@
         </p:nvSpPr>
         <p:spPr>
           <a:xfrm>
-            <a:off x="5132070" y="245745"/>
-            <a:ext cx="2136775" cy="817245"/>
+            <a:off x="4523740" y="245745"/>
+            <a:ext cx="3265805" cy="817245"/>
           </a:xfrm>
         </p:spPr>
         <p:txBody>
@@ -13152,14 +14904,14 @@
                 <a:latin typeface="Aa小梨涡" panose="02010600010101010101" charset="-122"/>
                 <a:ea typeface="Aa小梨涡" panose="02010600010101010101" charset="-122"/>
               </a:rPr>
-              <a:t>1.</a:t>
+              <a:t>2.3 </a:t>
             </a:r>
             <a:r>
               <a:rPr lang="zh-CN" altLang="en-US">
                 <a:latin typeface="Aa小梨涡" panose="02010600010101010101" charset="-122"/>
                 <a:ea typeface="Aa小梨涡" panose="02010600010101010101" charset="-122"/>
               </a:rPr>
-              <a:t>开篇词</a:t>
+              <a:t>序列切片</a:t>
             </a:r>
             <a:endParaRPr lang="zh-CN" altLang="en-US">
               <a:latin typeface="Aa小梨涡" panose="02010600010101010101" charset="-122"/>
@@ -13261,11 +15013,332 @@
           </a:p>
         </p:txBody>
       </p:sp>
+      <p:sp>
+        <p:nvSpPr>
+          <p:cNvPr id="7" name="文本框 6"/>
+          <p:cNvSpPr txBox="1"/>
+          <p:nvPr/>
+        </p:nvSpPr>
+        <p:spPr>
+          <a:xfrm>
+            <a:off x="515620" y="1341120"/>
+            <a:ext cx="11281410" cy="598805"/>
+          </a:xfrm>
+          <a:prstGeom prst="rect">
+            <a:avLst/>
+          </a:prstGeom>
+          <a:noFill/>
+          <a:ln>
+            <a:noFill/>
+          </a:ln>
+        </p:spPr>
+        <p:txBody>
+          <a:bodyPr wrap="square" rtlCol="0">
+            <a:spAutoFit/>
+          </a:bodyPr>
+          <a:p>
+            <a:pPr fontAlgn="auto">
+              <a:lnSpc>
+                <a:spcPct val="150000"/>
+              </a:lnSpc>
+            </a:pPr>
+            <a:r>
+              <a:rPr lang="en-US" sz="2200">
+                <a:latin typeface="Aa小梨涡" panose="02010600010101010101" charset="-122"/>
+                <a:ea typeface="Aa小梨涡" panose="02010600010101010101" charset="-122"/>
+                <a:cs typeface="Aa小梨涡" panose="02010600010101010101" charset="-122"/>
+                <a:sym typeface="+mn-ea"/>
+              </a:rPr>
+              <a:t>3. </a:t>
+            </a:r>
+            <a:r>
+              <a:rPr lang="zh-CN" altLang="en-US" sz="2200">
+                <a:latin typeface="Aa小梨涡" panose="02010600010101010101" charset="-122"/>
+                <a:ea typeface="Aa小梨涡" panose="02010600010101010101" charset="-122"/>
+                <a:cs typeface="Aa小梨涡" panose="02010600010101010101" charset="-122"/>
+                <a:sym typeface="+mn-ea"/>
+              </a:rPr>
+              <a:t>在</a:t>
+            </a:r>
+            <a:r>
+              <a:rPr lang="en-US" altLang="zh-CN" sz="2200">
+                <a:latin typeface="Aa小梨涡" panose="02010600010101010101" charset="-122"/>
+                <a:ea typeface="Aa小梨涡" panose="02010600010101010101" charset="-122"/>
+                <a:cs typeface="Aa小梨涡" panose="02010600010101010101" charset="-122"/>
+                <a:sym typeface="+mn-ea"/>
+              </a:rPr>
+              <a:t>=</a:t>
+            </a:r>
+            <a:r>
+              <a:rPr lang="zh-CN" altLang="en-US" sz="2200">
+                <a:latin typeface="Aa小梨涡" panose="02010600010101010101" charset="-122"/>
+                <a:ea typeface="Aa小梨涡" panose="02010600010101010101" charset="-122"/>
+                <a:cs typeface="Aa小梨涡" panose="02010600010101010101" charset="-122"/>
+                <a:sym typeface="+mn-ea"/>
+              </a:rPr>
+              <a:t>两侧的不同含义</a:t>
+            </a:r>
+            <a:r>
+              <a:rPr lang="en-US" sz="2200">
+                <a:latin typeface="Aa小梨涡" panose="02010600010101010101" charset="-122"/>
+                <a:ea typeface="Aa小梨涡" panose="02010600010101010101" charset="-122"/>
+                <a:cs typeface="Aa小梨涡" panose="02010600010101010101" charset="-122"/>
+                <a:sym typeface="+mn-ea"/>
+              </a:rPr>
+              <a:t> </a:t>
+            </a:r>
+            <a:endParaRPr lang="en-US" sz="2200">
+              <a:latin typeface="Aa小梨涡" panose="02010600010101010101" charset="-122"/>
+              <a:ea typeface="Aa小梨涡" panose="02010600010101010101" charset="-122"/>
+              <a:cs typeface="Aa小梨涡" panose="02010600010101010101" charset="-122"/>
+              <a:sym typeface="+mn-ea"/>
+            </a:endParaRPr>
+          </a:p>
+        </p:txBody>
+      </p:sp>
+      <p:grpSp>
+        <p:nvGrpSpPr>
+          <p:cNvPr id="4" name="组合 3"/>
+          <p:cNvGrpSpPr/>
+          <p:nvPr/>
+        </p:nvGrpSpPr>
+        <p:grpSpPr>
+          <a:xfrm>
+            <a:off x="515620" y="1838325"/>
+            <a:ext cx="11281410" cy="988060"/>
+            <a:chOff x="812" y="2895"/>
+            <a:chExt cx="17766" cy="1556"/>
+          </a:xfrm>
+        </p:grpSpPr>
+        <p:sp>
+          <p:nvSpPr>
+            <p:cNvPr id="3" name="文本框 2"/>
+            <p:cNvSpPr txBox="1"/>
+            <p:nvPr/>
+          </p:nvSpPr>
+          <p:spPr>
+            <a:xfrm>
+              <a:off x="812" y="2895"/>
+              <a:ext cx="17766" cy="1557"/>
+            </a:xfrm>
+            <a:prstGeom prst="rect">
+              <a:avLst/>
+            </a:prstGeom>
+            <a:noFill/>
+            <a:ln>
+              <a:noFill/>
+            </a:ln>
+          </p:spPr>
+          <p:txBody>
+            <a:bodyPr wrap="square" rtlCol="0">
+              <a:spAutoFit/>
+            </a:bodyPr>
+            <a:p>
+              <a:pPr fontAlgn="auto">
+                <a:lnSpc>
+                  <a:spcPts val="3500"/>
+                </a:lnSpc>
+              </a:pPr>
+              <a:r>
+                <a:rPr lang="zh-CN" altLang="en-US" sz="2200">
+                  <a:latin typeface="Aa小梨涡" panose="02010600010101010101" charset="-122"/>
+                  <a:ea typeface="Aa小梨涡" panose="02010600010101010101" charset="-122"/>
+                  <a:cs typeface="Aa小梨涡" panose="02010600010101010101" charset="-122"/>
+                  <a:sym typeface="+mn-ea"/>
+                </a:rPr>
+                <a:t>（</a:t>
+              </a:r>
+              <a:r>
+                <a:rPr lang="en-US" altLang="zh-CN" sz="2200">
+                  <a:latin typeface="Aa小梨涡" panose="02010600010101010101" charset="-122"/>
+                  <a:ea typeface="Aa小梨涡" panose="02010600010101010101" charset="-122"/>
+                  <a:cs typeface="Aa小梨涡" panose="02010600010101010101" charset="-122"/>
+                  <a:sym typeface="+mn-ea"/>
+                </a:rPr>
+                <a:t>1</a:t>
+              </a:r>
+              <a:r>
+                <a:rPr lang="zh-CN" altLang="en-US" sz="2200">
+                  <a:latin typeface="Aa小梨涡" panose="02010600010101010101" charset="-122"/>
+                  <a:ea typeface="Aa小梨涡" panose="02010600010101010101" charset="-122"/>
+                  <a:cs typeface="Aa小梨涡" panose="02010600010101010101" charset="-122"/>
+                  <a:sym typeface="+mn-ea"/>
+                </a:rPr>
+                <a:t>）在</a:t>
+              </a:r>
+              <a:r>
+                <a:rPr lang="en-US" altLang="zh-CN" sz="2200">
+                  <a:latin typeface="Aa小梨涡" panose="02010600010101010101" charset="-122"/>
+                  <a:ea typeface="Aa小梨涡" panose="02010600010101010101" charset="-122"/>
+                  <a:cs typeface="Aa小梨涡" panose="02010600010101010101" charset="-122"/>
+                  <a:sym typeface="+mn-ea"/>
+                </a:rPr>
+                <a:t>=</a:t>
+              </a:r>
+              <a:r>
+                <a:rPr lang="zh-CN" altLang="en-US" sz="2200">
+                  <a:latin typeface="Aa小梨涡" panose="02010600010101010101" charset="-122"/>
+                  <a:ea typeface="Aa小梨涡" panose="02010600010101010101" charset="-122"/>
+                  <a:cs typeface="Aa小梨涡" panose="02010600010101010101" charset="-122"/>
+                  <a:sym typeface="+mn-ea"/>
+                </a:rPr>
+                <a:t>右侧</a:t>
+              </a:r>
+              <a:endParaRPr lang="zh-CN" altLang="en-US" sz="2200">
+                <a:latin typeface="Aa小梨涡" panose="02010600010101010101" charset="-122"/>
+                <a:ea typeface="Aa小梨涡" panose="02010600010101010101" charset="-122"/>
+                <a:cs typeface="Aa小梨涡" panose="02010600010101010101" charset="-122"/>
+                <a:sym typeface="+mn-ea"/>
+              </a:endParaRPr>
+            </a:p>
+            <a:p>
+              <a:pPr fontAlgn="auto">
+                <a:lnSpc>
+                  <a:spcPts val="3500"/>
+                </a:lnSpc>
+              </a:pPr>
+              <a:r>
+                <a:rPr lang="zh-CN" altLang="en-US" sz="2200">
+                  <a:latin typeface="Aa小梨涡" panose="02010600010101010101" charset="-122"/>
+                  <a:ea typeface="Aa小梨涡" panose="02010600010101010101" charset="-122"/>
+                  <a:cs typeface="Aa小梨涡" panose="02010600010101010101" charset="-122"/>
+                  <a:sym typeface="+mn-ea"/>
+                </a:rPr>
+                <a:t>        会产生一份全新的列表，在新列表上进行修改，不会影响原列表。</a:t>
+              </a:r>
+              <a:r>
+                <a:rPr lang="en-US" sz="2200">
+                  <a:latin typeface="Aa小梨涡" panose="02010600010101010101" charset="-122"/>
+                  <a:ea typeface="Aa小梨涡" panose="02010600010101010101" charset="-122"/>
+                  <a:cs typeface="Aa小梨涡" panose="02010600010101010101" charset="-122"/>
+                  <a:sym typeface="+mn-ea"/>
+                </a:rPr>
+                <a:t> </a:t>
+              </a:r>
+              <a:endParaRPr lang="en-US" sz="2200">
+                <a:latin typeface="Aa小梨涡" panose="02010600010101010101" charset="-122"/>
+                <a:ea typeface="Aa小梨涡" panose="02010600010101010101" charset="-122"/>
+                <a:cs typeface="Aa小梨涡" panose="02010600010101010101" charset="-122"/>
+                <a:sym typeface="+mn-ea"/>
+              </a:endParaRPr>
+            </a:p>
+          </p:txBody>
+        </p:sp>
+        <p:pic>
+          <p:nvPicPr>
+            <p:cNvPr id="13" name="图片 12" descr="303b32313534333536313bcad3c6b5b2a5b7c5"/>
+            <p:cNvPicPr>
+              <a:picLocks noChangeAspect="1"/>
+            </p:cNvPicPr>
+            <p:nvPr/>
+          </p:nvPicPr>
+          <p:blipFill>
+            <a:blip r:embed="rId1">
+              <a:extLst>
+                <a:ext uri="{96DAC541-7B7A-43D3-8B79-37D633B846F1}">
+                  <asvg:svgBlip xmlns:asvg="http://schemas.microsoft.com/office/drawing/2016/SVG/main" r:embed="rId2"/>
+                </a:ext>
+              </a:extLst>
+            </a:blip>
+            <a:stretch>
+              <a:fillRect/>
+            </a:stretch>
+          </p:blipFill>
+          <p:spPr>
+            <a:xfrm flipV="1">
+              <a:off x="14481" y="3703"/>
+              <a:ext cx="654" cy="654"/>
+            </a:xfrm>
+            <a:prstGeom prst="rect">
+              <a:avLst/>
+            </a:prstGeom>
+          </p:spPr>
+        </p:pic>
+      </p:grpSp>
     </p:spTree>
   </p:cSld>
   <p:clrMapOvr>
     <a:masterClrMapping/>
   </p:clrMapOvr>
+  <p:timing>
+    <p:tnLst>
+      <p:par>
+        <p:cTn id="1" dur="indefinite" restart="never" nodeType="tmRoot">
+          <p:childTnLst>
+            <p:seq concurrent="1" nextAc="seek">
+              <p:cTn id="2" dur="indefinite" nodeType="mainSeq">
+                <p:childTnLst>
+                  <p:par>
+                    <p:cTn id="3" fill="hold">
+                      <p:stCondLst>
+                        <p:cond delay="indefinite"/>
+                      </p:stCondLst>
+                      <p:childTnLst>
+                        <p:par>
+                          <p:cTn id="4" fill="hold">
+                            <p:stCondLst>
+                              <p:cond delay="0"/>
+                            </p:stCondLst>
+                            <p:childTnLst>
+                              <p:par>
+                                <p:cTn id="5" presetID="1" presetClass="entr" presetSubtype="0" fill="hold" nodeType="clickEffect">
+                                  <p:stCondLst>
+                                    <p:cond delay="0"/>
+                                  </p:stCondLst>
+                                  <p:childTnLst>
+                                    <p:set>
+                                      <p:cBhvr>
+                                        <p:cTn id="6" dur="1" fill="hold">
+                                          <p:stCondLst>
+                                            <p:cond delay="0"/>
+                                          </p:stCondLst>
+                                        </p:cTn>
+                                        <p:tgtEl>
+                                          <p:spTgt spid="4"/>
+                                        </p:tgtEl>
+                                        <p:attrNameLst>
+                                          <p:attrName>style.visibility</p:attrName>
+                                        </p:attrNameLst>
+                                      </p:cBhvr>
+                                      <p:to>
+                                        <p:strVal val="visible"/>
+                                      </p:to>
+                                    </p:set>
+                                  </p:childTnLst>
+                                </p:cTn>
+                              </p:par>
+                            </p:childTnLst>
+                          </p:cTn>
+                        </p:par>
+                      </p:childTnLst>
+                    </p:cTn>
+                  </p:par>
+                </p:childTnLst>
+              </p:cTn>
+              <p:prevCondLst>
+                <p:cond evt="onPrev" delay="0">
+                  <p:tgtEl>
+                    <p:sldTgt/>
+                  </p:tgtEl>
+                </p:cond>
+              </p:prevCondLst>
+              <p:nextCondLst>
+                <p:cond evt="onNext" delay="0">
+                  <p:tgtEl>
+                    <p:sldTgt/>
+                  </p:tgtEl>
+                </p:cond>
+              </p:nextCondLst>
+            </p:seq>
+          </p:childTnLst>
+        </p:cTn>
+      </p:par>
+    </p:tnLst>
+    <p:bldLst>
+      <p:bldP spid="7" grpId="0" bldLvl="0" animBg="1"/>
+      <p:bldP spid="7" grpId="1"/>
+    </p:bldLst>
+  </p:timing>
 </p:sld>
 </file>
 
